--- a/Presentacion_Fase1.pptx
+++ b/Presentacion_Fase1.pptx
@@ -115,6 +115,11 @@
       </a:defRPr>
     </a:lvl9pPr>
   </p:defaultTextStyle>
+  <p:extLst>
+    <p:ext uri="{EFAFB233-063F-42B5-8137-9DF3F51BA10A}">
+      <p15:sldGuideLst xmlns:p15="http://schemas.microsoft.com/office/powerpoint/2012/main"/>
+    </p:ext>
+  </p:extLst>
 </p:presentation>
 </file>
 
@@ -8365,7 +8370,7 @@
               <a:buChar char=""/>
             </a:pPr>
             <a:r>
-              <a:rPr lang="es-ES">
+              <a:rPr lang="es-ES" dirty="0">
                 <a:solidFill>
                   <a:srgbClr val="404040"/>
                 </a:solidFill>
@@ -8373,7 +8378,7 @@
               </a:rPr>
               <a:t>Sprint 1</a:t>
             </a:r>
-            <a:endParaRPr/>
+            <a:endParaRPr dirty="0"/>
           </a:p>
           <a:p>
             <a:pPr lvl="1">
@@ -8385,7 +8390,7 @@
               <a:buChar char=""/>
             </a:pPr>
             <a:r>
-              <a:rPr lang="es-ES" sz="1600">
+              <a:rPr lang="es-ES" sz="1600" dirty="0">
                 <a:solidFill>
                   <a:srgbClr val="404040"/>
                 </a:solidFill>
@@ -8393,7 +8398,7 @@
               </a:rPr>
               <a:t>Gestión de clientes</a:t>
             </a:r>
-            <a:endParaRPr/>
+            <a:endParaRPr dirty="0"/>
           </a:p>
           <a:p>
             <a:pPr lvl="1">
@@ -8405,15 +8410,33 @@
               <a:buChar char=""/>
             </a:pPr>
             <a:r>
-              <a:rPr lang="es-ES" sz="1600">
+              <a:rPr lang="es-ES" sz="1600" dirty="0" err="1" smtClean="0">
                 <a:solidFill>
                   <a:srgbClr val="404040"/>
                 </a:solidFill>
                 <a:latin typeface="Trebuchet MS"/>
               </a:rPr>
-              <a:t>Loginde empleados</a:t>
-            </a:r>
-            <a:endParaRPr/>
+              <a:t>Login</a:t>
+            </a:r>
+            <a:r>
+              <a:rPr lang="es-ES" sz="1600" smtClean="0">
+                <a:solidFill>
+                  <a:srgbClr val="404040"/>
+                </a:solidFill>
+                <a:latin typeface="Trebuchet MS"/>
+              </a:rPr>
+              <a:t> de </a:t>
+            </a:r>
+            <a:r>
+              <a:rPr lang="es-ES" sz="1600" dirty="0">
+                <a:solidFill>
+                  <a:srgbClr val="404040"/>
+                </a:solidFill>
+                <a:latin typeface="Trebuchet MS"/>
+              </a:rPr>
+              <a:t>empleados</a:t>
+            </a:r>
+            <a:endParaRPr dirty="0"/>
           </a:p>
           <a:p>
             <a:pPr>
@@ -8425,7 +8448,7 @@
               <a:buChar char=""/>
             </a:pPr>
             <a:r>
-              <a:rPr lang="es-ES">
+              <a:rPr lang="es-ES" dirty="0">
                 <a:solidFill>
                   <a:srgbClr val="404040"/>
                 </a:solidFill>
@@ -8433,7 +8456,7 @@
               </a:rPr>
               <a:t>Sprint 2</a:t>
             </a:r>
-            <a:endParaRPr/>
+            <a:endParaRPr dirty="0"/>
           </a:p>
           <a:p>
             <a:pPr lvl="1">
@@ -8445,7 +8468,7 @@
               <a:buChar char=""/>
             </a:pPr>
             <a:r>
-              <a:rPr lang="es-ES" sz="1600">
+              <a:rPr lang="es-ES" sz="1600" dirty="0">
                 <a:solidFill>
                   <a:srgbClr val="404040"/>
                 </a:solidFill>
@@ -8453,7 +8476,7 @@
               </a:rPr>
               <a:t>Gestión de reservas</a:t>
             </a:r>
-            <a:endParaRPr/>
+            <a:endParaRPr dirty="0"/>
           </a:p>
           <a:p>
             <a:pPr lvl="1">
@@ -8465,7 +8488,7 @@
               <a:buChar char=""/>
             </a:pPr>
             <a:r>
-              <a:rPr lang="es-ES" sz="1600">
+              <a:rPr lang="es-ES" sz="1600" dirty="0">
                 <a:solidFill>
                   <a:srgbClr val="404040"/>
                 </a:solidFill>
@@ -8473,7 +8496,7 @@
               </a:rPr>
               <a:t>Gestión de aerolíneas</a:t>
             </a:r>
-            <a:endParaRPr/>
+            <a:endParaRPr dirty="0"/>
           </a:p>
           <a:p>
             <a:pPr lvl="1">
@@ -8485,7 +8508,7 @@
               <a:buChar char=""/>
             </a:pPr>
             <a:r>
-              <a:rPr lang="es-ES" sz="1600">
+              <a:rPr lang="es-ES" sz="1600" dirty="0">
                 <a:solidFill>
                   <a:srgbClr val="404040"/>
                 </a:solidFill>
@@ -8493,7 +8516,7 @@
               </a:rPr>
               <a:t>Gestión de vuelos</a:t>
             </a:r>
-            <a:endParaRPr/>
+            <a:endParaRPr dirty="0"/>
           </a:p>
           <a:p>
             <a:pPr>
@@ -8505,7 +8528,7 @@
               <a:buChar char=""/>
             </a:pPr>
             <a:r>
-              <a:rPr lang="es-ES">
+              <a:rPr lang="es-ES" dirty="0">
                 <a:solidFill>
                   <a:srgbClr val="404040"/>
                 </a:solidFill>
@@ -8513,7 +8536,7 @@
               </a:rPr>
               <a:t>Sprint 3</a:t>
             </a:r>
-            <a:endParaRPr/>
+            <a:endParaRPr dirty="0"/>
           </a:p>
           <a:p>
             <a:pPr lvl="1">
@@ -8525,7 +8548,7 @@
               <a:buChar char=""/>
             </a:pPr>
             <a:r>
-              <a:rPr lang="es-ES" sz="1600">
+              <a:rPr lang="es-ES" sz="1600" dirty="0">
                 <a:solidFill>
                   <a:srgbClr val="404040"/>
                 </a:solidFill>
@@ -8533,7 +8556,7 @@
               </a:rPr>
               <a:t>Consultas extras como administrador</a:t>
             </a:r>
-            <a:endParaRPr/>
+            <a:endParaRPr dirty="0"/>
           </a:p>
           <a:p>
             <a:pPr lvl="1">
@@ -8545,7 +8568,7 @@
               <a:buChar char=""/>
             </a:pPr>
             <a:r>
-              <a:rPr lang="es-ES" sz="1600">
+              <a:rPr lang="es-ES" sz="1600" dirty="0">
                 <a:solidFill>
                   <a:srgbClr val="404040"/>
                 </a:solidFill>
@@ -8553,7 +8576,7 @@
               </a:rPr>
               <a:t>Consultas extras como empleado</a:t>
             </a:r>
-            <a:endParaRPr/>
+            <a:endParaRPr dirty="0"/>
           </a:p>
           <a:p>
             <a:pPr lvl="1">
@@ -8565,7 +8588,7 @@
               <a:buChar char=""/>
             </a:pPr>
             <a:r>
-              <a:rPr lang="es-ES" sz="1600">
+              <a:rPr lang="es-ES" sz="1600" dirty="0">
                 <a:solidFill>
                   <a:srgbClr val="404040"/>
                 </a:solidFill>
@@ -8573,10 +8596,10 @@
               </a:rPr>
               <a:t>Consultas extras como cliente</a:t>
             </a:r>
-            <a:endParaRPr/>
-          </a:p>
-          <a:p>
-            <a:endParaRPr/>
+            <a:endParaRPr dirty="0"/>
+          </a:p>
+          <a:p>
+            <a:endParaRPr dirty="0"/>
           </a:p>
         </p:txBody>
       </p:sp>

--- a/Presentacion_Fase1.pptx
+++ b/Presentacion_Fase1.pptx
@@ -5,7 +5,7 @@
     <p:sldMasterId id="2147483692" r:id="rId1"/>
   </p:sldMasterIdLst>
   <p:notesMasterIdLst>
-    <p:notesMasterId r:id="rId11"/>
+    <p:notesMasterId r:id="rId12"/>
   </p:notesMasterIdLst>
   <p:sldIdLst>
     <p:sldId id="256" r:id="rId2"/>
@@ -16,7 +16,8 @@
     <p:sldId id="261" r:id="rId7"/>
     <p:sldId id="262" r:id="rId8"/>
     <p:sldId id="263" r:id="rId9"/>
-    <p:sldId id="264" r:id="rId10"/>
+    <p:sldId id="265" r:id="rId10"/>
+    <p:sldId id="264" r:id="rId11"/>
   </p:sldIdLst>
   <p:sldSz cx="12192000" cy="6858000"/>
   <p:notesSz cx="6858000" cy="9144000"/>
@@ -6990,6 +6991,199 @@
 </p:sld>
 </file>
 
+<file path=ppt/slides/slide10.xml><?xml version="1.0" encoding="utf-8"?>
+<p:sld xmlns:a="http://schemas.openxmlformats.org/drawingml/2006/main" xmlns:r="http://schemas.openxmlformats.org/officeDocument/2006/relationships" xmlns:p="http://schemas.openxmlformats.org/presentationml/2006/main">
+  <p:cSld>
+    <p:spTree>
+      <p:nvGrpSpPr>
+        <p:cNvPr id="1" name=""/>
+        <p:cNvGrpSpPr/>
+        <p:nvPr/>
+      </p:nvGrpSpPr>
+      <p:grpSpPr>
+        <a:xfrm>
+          <a:off x="0" y="0"/>
+          <a:ext cx="0" cy="0"/>
+          <a:chOff x="0" y="0"/>
+          <a:chExt cx="0" cy="0"/>
+        </a:xfrm>
+      </p:grpSpPr>
+      <p:sp>
+        <p:nvSpPr>
+          <p:cNvPr id="142" name="TextShape 2"/>
+          <p:cNvSpPr txBox="1"/>
+          <p:nvPr/>
+        </p:nvSpPr>
+        <p:spPr>
+          <a:xfrm>
+            <a:off x="491319" y="2289853"/>
+            <a:ext cx="8596440" cy="3880440"/>
+          </a:xfrm>
+          <a:prstGeom prst="rect">
+            <a:avLst/>
+          </a:prstGeom>
+        </p:spPr>
+        <p:txBody>
+          <a:bodyPr/>
+          <a:lstStyle/>
+          <a:p>
+            <a:endParaRPr/>
+          </a:p>
+        </p:txBody>
+      </p:sp>
+      <p:sp>
+        <p:nvSpPr>
+          <p:cNvPr id="143" name="TextShape 3"/>
+          <p:cNvSpPr txBox="1"/>
+          <p:nvPr/>
+        </p:nvSpPr>
+        <p:spPr>
+          <a:xfrm>
+            <a:off x="8590680" y="6041520"/>
+            <a:ext cx="682920" cy="364680"/>
+          </a:xfrm>
+          <a:prstGeom prst="rect">
+            <a:avLst/>
+          </a:prstGeom>
+        </p:spPr>
+        <p:txBody>
+          <a:bodyPr anchor="ctr"/>
+          <a:lstStyle/>
+          <a:p>
+            <a:pPr algn="r">
+              <a:lnSpc>
+                <a:spcPct val="100000"/>
+              </a:lnSpc>
+            </a:pPr>
+            <a:fld id="{27EB284B-4991-4BA3-801F-BD3BA9AA3923}" type="slidenum">
+              <a:rPr lang="es-ES" sz="900">
+                <a:solidFill>
+                  <a:srgbClr val="5FCBEF"/>
+                </a:solidFill>
+                <a:latin typeface="Trebuchet MS"/>
+              </a:rPr>
+              <a:t>10</a:t>
+            </a:fld>
+            <a:endParaRPr/>
+          </a:p>
+        </p:txBody>
+      </p:sp>
+      <p:sp>
+        <p:nvSpPr>
+          <p:cNvPr id="2" name="Título 1"/>
+          <p:cNvSpPr>
+            <a:spLocks noGrp="1"/>
+          </p:cNvSpPr>
+          <p:nvPr>
+            <p:ph type="title"/>
+          </p:nvPr>
+        </p:nvSpPr>
+        <p:spPr>
+          <a:xfrm>
+            <a:off x="677160" y="722676"/>
+            <a:ext cx="8596440" cy="1320840"/>
+          </a:xfrm>
+        </p:spPr>
+        <p:txBody>
+          <a:bodyPr/>
+          <a:lstStyle/>
+          <a:p>
+            <a:pPr algn="ctr"/>
+            <a:r>
+              <a:rPr lang="es-ES" dirty="0" smtClean="0"/>
+              <a:t>SPRINT BACKLOG-Sprint 2</a:t>
+            </a:r>
+            <a:endParaRPr lang="es-ES" dirty="0"/>
+          </a:p>
+        </p:txBody>
+      </p:sp>
+      <p:sp>
+        <p:nvSpPr>
+          <p:cNvPr id="3" name="Subtítulo 2"/>
+          <p:cNvSpPr>
+            <a:spLocks noGrp="1"/>
+          </p:cNvSpPr>
+          <p:nvPr>
+            <p:ph type="subTitle"/>
+          </p:nvPr>
+        </p:nvSpPr>
+        <p:spPr>
+          <a:xfrm>
+            <a:off x="689027" y="1924813"/>
+            <a:ext cx="8596440" cy="3880800"/>
+          </a:xfrm>
+        </p:spPr>
+        <p:txBody>
+          <a:bodyPr anchor="t"/>
+          <a:lstStyle/>
+          <a:p>
+            <a:r>
+              <a:rPr lang="es-ES" dirty="0" smtClean="0"/>
+              <a:t>Gráfica:</a:t>
+            </a:r>
+            <a:endParaRPr lang="es-ES" dirty="0"/>
+          </a:p>
+        </p:txBody>
+      </p:sp>
+      <p:pic>
+        <p:nvPicPr>
+          <p:cNvPr id="5" name="Imagen 4"/>
+          <p:cNvPicPr>
+            <a:picLocks noChangeAspect="1"/>
+          </p:cNvPicPr>
+          <p:nvPr/>
+        </p:nvPicPr>
+        <p:blipFill>
+          <a:blip r:embed="rId2"/>
+          <a:stretch>
+            <a:fillRect/>
+          </a:stretch>
+        </p:blipFill>
+        <p:spPr>
+          <a:xfrm>
+            <a:off x="1490380" y="2461241"/>
+            <a:ext cx="6598317" cy="2807943"/>
+          </a:xfrm>
+          <a:prstGeom prst="rect">
+            <a:avLst/>
+          </a:prstGeom>
+        </p:spPr>
+      </p:pic>
+    </p:spTree>
+  </p:cSld>
+  <p:clrMapOvr>
+    <a:masterClrMapping/>
+  </p:clrMapOvr>
+  <p:timing>
+    <p:tnLst>
+      <p:par>
+        <p:cTn id="1" dur="indefinite" restart="never" nodeType="tmRoot">
+          <p:childTnLst>
+            <p:seq>
+              <p:cTn id="2" nodeType="mainSeq"/>
+              <p:prevCondLst>
+                <p:cond evt="onPrev" delay="0">
+                  <p:tgtEl>
+                    <p:sldTgt/>
+                  </p:tgtEl>
+                </p:cond>
+              </p:prevCondLst>
+              <p:nextCondLst>
+                <p:cond evt="onNext" delay="0">
+                  <p:tgtEl>
+                    <p:sldTgt/>
+                  </p:tgtEl>
+                </p:cond>
+              </p:nextCondLst>
+            </p:seq>
+          </p:childTnLst>
+        </p:cTn>
+      </p:par>
+    </p:tnLst>
+  </p:timing>
+</p:sld>
+</file>
+
 <file path=ppt/slides/slide2.xml><?xml version="1.0" encoding="utf-8"?>
 <p:sld xmlns:a="http://schemas.openxmlformats.org/drawingml/2006/main" xmlns:r="http://schemas.openxmlformats.org/officeDocument/2006/relationships" xmlns:p="http://schemas.openxmlformats.org/presentationml/2006/main">
   <p:cSld>
@@ -8058,15 +8252,24 @@
               <a:buChar char=""/>
             </a:pPr>
             <a:r>
-              <a:rPr lang="es-ES" sz="1600">
+              <a:rPr lang="es-ES" sz="1600" dirty="0" err="1" smtClean="0">
                 <a:solidFill>
                   <a:srgbClr val="404040"/>
                 </a:solidFill>
                 <a:latin typeface="Trebuchet MS"/>
               </a:rPr>
-              <a:t>Logindeempleados</a:t>
-            </a:r>
-            <a:endParaRPr/>
+              <a:t>Login</a:t>
+            </a:r>
+            <a:r>
+              <a:rPr lang="es-ES" sz="1600" dirty="0" smtClean="0">
+                <a:solidFill>
+                  <a:srgbClr val="404040"/>
+                </a:solidFill>
+                <a:latin typeface="Trebuchet MS"/>
+              </a:rPr>
+              <a:t> de empleados</a:t>
+            </a:r>
+            <a:endParaRPr dirty="0"/>
           </a:p>
           <a:p>
             <a:pPr lvl="1">
@@ -8078,7 +8281,7 @@
               <a:buChar char=""/>
             </a:pPr>
             <a:r>
-              <a:rPr lang="es-ES" sz="1600">
+              <a:rPr lang="es-ES" sz="1600" dirty="0">
                 <a:solidFill>
                   <a:srgbClr val="404040"/>
                 </a:solidFill>
@@ -8086,7 +8289,7 @@
               </a:rPr>
               <a:t>Gestión de clientes</a:t>
             </a:r>
-            <a:endParaRPr/>
+            <a:endParaRPr dirty="0"/>
           </a:p>
           <a:p>
             <a:pPr lvl="1">
@@ -8098,7 +8301,7 @@
               <a:buChar char=""/>
             </a:pPr>
             <a:r>
-              <a:rPr lang="es-ES" sz="1600">
+              <a:rPr lang="es-ES" sz="1600" dirty="0">
                 <a:solidFill>
                   <a:srgbClr val="404040"/>
                 </a:solidFill>
@@ -8106,7 +8309,7 @@
               </a:rPr>
               <a:t>Gestión de reservas</a:t>
             </a:r>
-            <a:endParaRPr/>
+            <a:endParaRPr dirty="0"/>
           </a:p>
           <a:p>
             <a:pPr lvl="1">
@@ -8118,7 +8321,7 @@
               <a:buChar char=""/>
             </a:pPr>
             <a:r>
-              <a:rPr lang="es-ES" sz="1600">
+              <a:rPr lang="es-ES" sz="1600" dirty="0">
                 <a:solidFill>
                   <a:srgbClr val="404040"/>
                 </a:solidFill>
@@ -8126,7 +8329,7 @@
               </a:rPr>
               <a:t>Gestión de aerolíneas</a:t>
             </a:r>
-            <a:endParaRPr/>
+            <a:endParaRPr dirty="0"/>
           </a:p>
           <a:p>
             <a:pPr lvl="1">
@@ -8138,7 +8341,7 @@
               <a:buChar char=""/>
             </a:pPr>
             <a:r>
-              <a:rPr lang="es-ES" sz="1600">
+              <a:rPr lang="es-ES" sz="1600" dirty="0">
                 <a:solidFill>
                   <a:srgbClr val="404040"/>
                 </a:solidFill>
@@ -8146,7 +8349,7 @@
               </a:rPr>
               <a:t>Gestión de vuelos</a:t>
             </a:r>
-            <a:endParaRPr/>
+            <a:endParaRPr dirty="0"/>
           </a:p>
           <a:p>
             <a:pPr lvl="1">
@@ -8158,7 +8361,7 @@
               <a:buChar char=""/>
             </a:pPr>
             <a:r>
-              <a:rPr lang="es-ES" sz="1600">
+              <a:rPr lang="es-ES" sz="1600" dirty="0">
                 <a:solidFill>
                   <a:srgbClr val="404040"/>
                 </a:solidFill>
@@ -8166,7 +8369,7 @@
               </a:rPr>
               <a:t>Consultas extras como administrador</a:t>
             </a:r>
-            <a:endParaRPr/>
+            <a:endParaRPr dirty="0"/>
           </a:p>
           <a:p>
             <a:pPr lvl="1">
@@ -8178,7 +8381,7 @@
               <a:buChar char=""/>
             </a:pPr>
             <a:r>
-              <a:rPr lang="es-ES" sz="1600">
+              <a:rPr lang="es-ES" sz="1600" dirty="0">
                 <a:solidFill>
                   <a:srgbClr val="404040"/>
                 </a:solidFill>
@@ -8186,7 +8389,7 @@
               </a:rPr>
               <a:t>Consultas extras como empleados</a:t>
             </a:r>
-            <a:endParaRPr/>
+            <a:endParaRPr dirty="0"/>
           </a:p>
           <a:p>
             <a:pPr lvl="1">
@@ -8198,7 +8401,7 @@
               <a:buChar char=""/>
             </a:pPr>
             <a:r>
-              <a:rPr lang="es-ES" sz="1600">
+              <a:rPr lang="es-ES" sz="1600" dirty="0">
                 <a:solidFill>
                   <a:srgbClr val="404040"/>
                 </a:solidFill>
@@ -8206,13 +8409,13 @@
               </a:rPr>
               <a:t>Consultas extras como clientes</a:t>
             </a:r>
-            <a:endParaRPr/>
-          </a:p>
-          <a:p>
-            <a:endParaRPr/>
-          </a:p>
-          <a:p>
-            <a:endParaRPr/>
+            <a:endParaRPr dirty="0"/>
+          </a:p>
+          <a:p>
+            <a:endParaRPr dirty="0"/>
+          </a:p>
+          <a:p>
+            <a:endParaRPr dirty="0"/>
           </a:p>
         </p:txBody>
       </p:sp>
@@ -8717,15 +8920,24 @@
               </a:lnSpc>
             </a:pPr>
             <a:r>
-              <a:rPr lang="es-ES" sz="3600">
+              <a:rPr lang="es-ES" sz="3600" dirty="0">
                 <a:solidFill>
                   <a:srgbClr val="5FCBEF"/>
                 </a:solidFill>
                 <a:latin typeface="Trebuchet MS"/>
               </a:rPr>
-              <a:t>SPRINT BACKLOG</a:t>
-            </a:r>
-            <a:endParaRPr/>
+              <a:t>SPRINT </a:t>
+            </a:r>
+            <a:r>
+              <a:rPr lang="es-ES" sz="3600" dirty="0" smtClean="0">
+                <a:solidFill>
+                  <a:srgbClr val="5FCBEF"/>
+                </a:solidFill>
+                <a:latin typeface="Trebuchet MS"/>
+              </a:rPr>
+              <a:t>BACKLOG-Sprint1</a:t>
+            </a:r>
+            <a:endParaRPr dirty="0"/>
           </a:p>
         </p:txBody>
       </p:sp>
@@ -8988,50 +9200,13 @@
       </p:grpSpPr>
       <p:sp>
         <p:nvSpPr>
-          <p:cNvPr id="141" name="TextShape 1"/>
-          <p:cNvSpPr txBox="1"/>
-          <p:nvPr/>
-        </p:nvSpPr>
-        <p:spPr>
-          <a:xfrm>
-            <a:off x="677160" y="609480"/>
-            <a:ext cx="8596440" cy="1320480"/>
-          </a:xfrm>
-          <a:prstGeom prst="rect">
-            <a:avLst/>
-          </a:prstGeom>
-        </p:spPr>
-        <p:txBody>
-          <a:bodyPr/>
-          <a:lstStyle/>
-          <a:p>
-            <a:pPr algn="ctr">
-              <a:lnSpc>
-                <a:spcPct val="100000"/>
-              </a:lnSpc>
-            </a:pPr>
-            <a:r>
-              <a:rPr lang="es-ES" sz="3600">
-                <a:solidFill>
-                  <a:srgbClr val="5FCBEF"/>
-                </a:solidFill>
-                <a:latin typeface="Trebuchet MS"/>
-              </a:rPr>
-              <a:t>RETROSPECTIVA</a:t>
-            </a:r>
-            <a:endParaRPr/>
-          </a:p>
-        </p:txBody>
-      </p:sp>
-      <p:sp>
-        <p:nvSpPr>
           <p:cNvPr id="142" name="TextShape 2"/>
           <p:cNvSpPr txBox="1"/>
           <p:nvPr/>
         </p:nvSpPr>
         <p:spPr>
           <a:xfrm>
-            <a:off x="677160" y="2160720"/>
+            <a:off x="491319" y="2289853"/>
             <a:ext cx="8596440" cy="3880440"/>
           </a:xfrm>
           <a:prstGeom prst="rect">
@@ -9083,7 +9258,107 @@
           </a:p>
         </p:txBody>
       </p:sp>
+      <p:sp>
+        <p:nvSpPr>
+          <p:cNvPr id="2" name="Título 1"/>
+          <p:cNvSpPr>
+            <a:spLocks noGrp="1"/>
+          </p:cNvSpPr>
+          <p:nvPr>
+            <p:ph type="title"/>
+          </p:nvPr>
+        </p:nvSpPr>
+        <p:spPr>
+          <a:xfrm>
+            <a:off x="677160" y="722676"/>
+            <a:ext cx="8596440" cy="1320840"/>
+          </a:xfrm>
+        </p:spPr>
+        <p:txBody>
+          <a:bodyPr/>
+          <a:lstStyle/>
+          <a:p>
+            <a:pPr algn="ctr"/>
+            <a:r>
+              <a:rPr lang="es-ES" dirty="0" smtClean="0"/>
+              <a:t>SPRINT BACKLOG-Sprint 2</a:t>
+            </a:r>
+            <a:endParaRPr lang="es-ES" dirty="0"/>
+          </a:p>
+        </p:txBody>
+      </p:sp>
+      <p:sp>
+        <p:nvSpPr>
+          <p:cNvPr id="3" name="Subtítulo 2"/>
+          <p:cNvSpPr>
+            <a:spLocks noGrp="1"/>
+          </p:cNvSpPr>
+          <p:nvPr>
+            <p:ph type="subTitle"/>
+          </p:nvPr>
+        </p:nvSpPr>
+        <p:spPr>
+          <a:xfrm>
+            <a:off x="677160" y="2160720"/>
+            <a:ext cx="8596440" cy="3880800"/>
+          </a:xfrm>
+        </p:spPr>
+        <p:txBody>
+          <a:bodyPr anchor="t">
+            <a:normAutofit/>
+          </a:bodyPr>
+          <a:lstStyle/>
+          <a:p>
+            <a:pPr marL="285750" indent="-285750">
+              <a:buFont typeface="Arial" panose="020B0604020202020204" pitchFamily="34" charset="0"/>
+              <a:buChar char="•"/>
+            </a:pPr>
+            <a:r>
+              <a:rPr lang="es-ES" sz="1800" dirty="0" smtClean="0">
+                <a:solidFill>
+                  <a:schemeClr val="tx1"/>
+                </a:solidFill>
+              </a:rPr>
+              <a:t>Tareas:</a:t>
+            </a:r>
+            <a:endParaRPr lang="es-ES" sz="1800" dirty="0">
+              <a:solidFill>
+                <a:schemeClr val="tx1"/>
+              </a:solidFill>
+            </a:endParaRPr>
+          </a:p>
+        </p:txBody>
+      </p:sp>
+      <p:pic>
+        <p:nvPicPr>
+          <p:cNvPr id="4" name="Imagen 3"/>
+          <p:cNvPicPr>
+            <a:picLocks noChangeAspect="1"/>
+          </p:cNvPicPr>
+          <p:nvPr/>
+        </p:nvPicPr>
+        <p:blipFill>
+          <a:blip r:embed="rId2"/>
+          <a:stretch>
+            <a:fillRect/>
+          </a:stretch>
+        </p:blipFill>
+        <p:spPr>
+          <a:xfrm>
+            <a:off x="886734" y="2530449"/>
+            <a:ext cx="8201025" cy="2419350"/>
+          </a:xfrm>
+          <a:prstGeom prst="rect">
+            <a:avLst/>
+          </a:prstGeom>
+        </p:spPr>
+      </p:pic>
     </p:spTree>
+    <p:extLst>
+      <p:ext uri="{BB962C8B-B14F-4D97-AF65-F5344CB8AC3E}">
+        <p14:creationId xmlns:p14="http://schemas.microsoft.com/office/powerpoint/2010/main" val="2300554264"/>
+      </p:ext>
+    </p:extLst>
   </p:cSld>
   <p:clrMapOvr>
     <a:masterClrMapping/>
